--- a/img/eagle-rabbit.pptx
+++ b/img/eagle-rabbit.pptx
@@ -6,10 +6,12 @@
   </p:sldMasterIdLst>
   <p:sldIdLst>
     <p:sldId id="256" r:id="rId2"/>
-    <p:sldId id="257" r:id="rId3"/>
-    <p:sldId id="258" r:id="rId4"/>
-    <p:sldId id="259" r:id="rId5"/>
-    <p:sldId id="260" r:id="rId6"/>
+    <p:sldId id="261" r:id="rId3"/>
+    <p:sldId id="257" r:id="rId4"/>
+    <p:sldId id="258" r:id="rId5"/>
+    <p:sldId id="259" r:id="rId6"/>
+    <p:sldId id="260" r:id="rId7"/>
+    <p:sldId id="262" r:id="rId8"/>
   </p:sldIdLst>
   <p:sldSz cx="12192000" cy="6858000"/>
   <p:notesSz cx="6858000" cy="9144000"/>
@@ -108,6 +110,11 @@
       </a:defRPr>
     </a:lvl9pPr>
   </p:defaultTextStyle>
+  <p:extLst>
+    <p:ext uri="{EFAFB233-063F-42B5-8137-9DF3F51BA10A}">
+      <p15:sldGuideLst xmlns:p15="http://schemas.microsoft.com/office/powerpoint/2012/main"/>
+    </p:ext>
+  </p:extLst>
 </p:presentation>
 </file>
 
@@ -3851,6 +3858,116 @@
           <p:cNvPr id="2" name="Título 1">
             <a:extLst>
               <a:ext uri="{FF2B5EF4-FFF2-40B4-BE49-F238E27FC236}">
+                <a16:creationId xmlns:a16="http://schemas.microsoft.com/office/drawing/2014/main" id="{37DD5629-0F8C-444E-89C8-91AE08DACC71}"/>
+              </a:ext>
+            </a:extLst>
+          </p:cNvPr>
+          <p:cNvSpPr>
+            <a:spLocks noGrp="1"/>
+          </p:cNvSpPr>
+          <p:nvPr>
+            <p:ph type="title"/>
+          </p:nvPr>
+        </p:nvSpPr>
+        <p:spPr/>
+        <p:txBody>
+          <a:bodyPr/>
+          <a:lstStyle/>
+          <a:p>
+            <a:endParaRPr lang="pt-BR"/>
+          </a:p>
+        </p:txBody>
+      </p:sp>
+      <p:sp>
+        <p:nvSpPr>
+          <p:cNvPr id="3" name="Espaço Reservado para Conteúdo 2">
+            <a:extLst>
+              <a:ext uri="{FF2B5EF4-FFF2-40B4-BE49-F238E27FC236}">
+                <a16:creationId xmlns:a16="http://schemas.microsoft.com/office/drawing/2014/main" id="{E54C5A82-3EB8-4176-A2F5-D4A874A5C141}"/>
+              </a:ext>
+            </a:extLst>
+          </p:cNvPr>
+          <p:cNvSpPr>
+            <a:spLocks noGrp="1"/>
+          </p:cNvSpPr>
+          <p:nvPr>
+            <p:ph idx="1"/>
+          </p:nvPr>
+        </p:nvSpPr>
+        <p:spPr/>
+        <p:txBody>
+          <a:bodyPr/>
+          <a:lstStyle/>
+          <a:p>
+            <a:endParaRPr lang="pt-BR"/>
+          </a:p>
+        </p:txBody>
+      </p:sp>
+      <p:pic>
+        <p:nvPicPr>
+          <p:cNvPr id="4" name="Imagem 3">
+            <a:extLst>
+              <a:ext uri="{FF2B5EF4-FFF2-40B4-BE49-F238E27FC236}">
+                <a16:creationId xmlns:a16="http://schemas.microsoft.com/office/drawing/2014/main" id="{80B59C2A-F132-40C3-9394-FAA3206C4232}"/>
+              </a:ext>
+            </a:extLst>
+          </p:cNvPr>
+          <p:cNvPicPr>
+            <a:picLocks noChangeAspect="1"/>
+          </p:cNvPicPr>
+          <p:nvPr/>
+        </p:nvPicPr>
+        <p:blipFill>
+          <a:blip r:embed="rId2"/>
+          <a:stretch>
+            <a:fillRect/>
+          </a:stretch>
+        </p:blipFill>
+        <p:spPr>
+          <a:xfrm>
+            <a:off x="143928" y="209384"/>
+            <a:ext cx="11779855" cy="6439231"/>
+          </a:xfrm>
+          <a:prstGeom prst="rect">
+            <a:avLst/>
+          </a:prstGeom>
+        </p:spPr>
+      </p:pic>
+    </p:spTree>
+    <p:extLst>
+      <p:ext uri="{BB962C8B-B14F-4D97-AF65-F5344CB8AC3E}">
+        <p14:creationId xmlns:p14="http://schemas.microsoft.com/office/powerpoint/2010/main" val="3892367727"/>
+      </p:ext>
+    </p:extLst>
+  </p:cSld>
+  <p:clrMapOvr>
+    <a:masterClrMapping/>
+  </p:clrMapOvr>
+</p:sld>
+</file>
+
+<file path=ppt/slides/slide3.xml><?xml version="1.0" encoding="utf-8"?>
+<p:sld xmlns:a="http://schemas.openxmlformats.org/drawingml/2006/main" xmlns:r="http://schemas.openxmlformats.org/officeDocument/2006/relationships" xmlns:p="http://schemas.openxmlformats.org/presentationml/2006/main">
+  <p:cSld>
+    <p:spTree>
+      <p:nvGrpSpPr>
+        <p:cNvPr id="1" name=""/>
+        <p:cNvGrpSpPr/>
+        <p:nvPr/>
+      </p:nvGrpSpPr>
+      <p:grpSpPr>
+        <a:xfrm>
+          <a:off x="0" y="0"/>
+          <a:ext cx="0" cy="0"/>
+          <a:chOff x="0" y="0"/>
+          <a:chExt cx="0" cy="0"/>
+        </a:xfrm>
+      </p:grpSpPr>
+      <p:sp>
+        <p:nvSpPr>
+          <p:cNvPr id="2" name="Título 1">
+            <a:extLst>
+              <a:ext uri="{FF2B5EF4-FFF2-40B4-BE49-F238E27FC236}">
                 <a16:creationId xmlns:a16="http://schemas.microsoft.com/office/drawing/2014/main" id="{B477D199-E61E-4B90-971B-F2DE5C617FD2}"/>
               </a:ext>
             </a:extLst>
@@ -3939,7 +4056,7 @@
 </p:sld>
 </file>
 
-<file path=ppt/slides/slide3.xml><?xml version="1.0" encoding="utf-8"?>
+<file path=ppt/slides/slide4.xml><?xml version="1.0" encoding="utf-8"?>
 <p:sld xmlns:a="http://schemas.openxmlformats.org/drawingml/2006/main" xmlns:r="http://schemas.openxmlformats.org/officeDocument/2006/relationships" xmlns:p="http://schemas.openxmlformats.org/presentationml/2006/main">
   <p:cSld>
     <p:spTree>
@@ -4049,7 +4166,7 @@
 </p:sld>
 </file>
 
-<file path=ppt/slides/slide4.xml><?xml version="1.0" encoding="utf-8"?>
+<file path=ppt/slides/slide5.xml><?xml version="1.0" encoding="utf-8"?>
 <p:sld xmlns:a="http://schemas.openxmlformats.org/drawingml/2006/main" xmlns:r="http://schemas.openxmlformats.org/officeDocument/2006/relationships" xmlns:p="http://schemas.openxmlformats.org/presentationml/2006/main">
   <p:cSld>
     <p:spTree>
@@ -4159,7 +4276,7 @@
 </p:sld>
 </file>
 
-<file path=ppt/slides/slide5.xml><?xml version="1.0" encoding="utf-8"?>
+<file path=ppt/slides/slide6.xml><?xml version="1.0" encoding="utf-8"?>
 <p:sld xmlns:a="http://schemas.openxmlformats.org/drawingml/2006/main" xmlns:r="http://schemas.openxmlformats.org/officeDocument/2006/relationships" xmlns:p="http://schemas.openxmlformats.org/presentationml/2006/main">
   <p:cSld>
     <p:spTree>
@@ -4260,6 +4377,116 @@
     <p:extLst>
       <p:ext uri="{BB962C8B-B14F-4D97-AF65-F5344CB8AC3E}">
         <p14:creationId xmlns:p14="http://schemas.microsoft.com/office/powerpoint/2010/main" val="1375361404"/>
+      </p:ext>
+    </p:extLst>
+  </p:cSld>
+  <p:clrMapOvr>
+    <a:masterClrMapping/>
+  </p:clrMapOvr>
+</p:sld>
+</file>
+
+<file path=ppt/slides/slide7.xml><?xml version="1.0" encoding="utf-8"?>
+<p:sld xmlns:a="http://schemas.openxmlformats.org/drawingml/2006/main" xmlns:r="http://schemas.openxmlformats.org/officeDocument/2006/relationships" xmlns:p="http://schemas.openxmlformats.org/presentationml/2006/main">
+  <p:cSld>
+    <p:spTree>
+      <p:nvGrpSpPr>
+        <p:cNvPr id="1" name=""/>
+        <p:cNvGrpSpPr/>
+        <p:nvPr/>
+      </p:nvGrpSpPr>
+      <p:grpSpPr>
+        <a:xfrm>
+          <a:off x="0" y="0"/>
+          <a:ext cx="0" cy="0"/>
+          <a:chOff x="0" y="0"/>
+          <a:chExt cx="0" cy="0"/>
+        </a:xfrm>
+      </p:grpSpPr>
+      <p:sp>
+        <p:nvSpPr>
+          <p:cNvPr id="2" name="Título 1">
+            <a:extLst>
+              <a:ext uri="{FF2B5EF4-FFF2-40B4-BE49-F238E27FC236}">
+                <a16:creationId xmlns:a16="http://schemas.microsoft.com/office/drawing/2014/main" id="{75883826-3522-4E03-8E39-085C2542930B}"/>
+              </a:ext>
+            </a:extLst>
+          </p:cNvPr>
+          <p:cNvSpPr>
+            <a:spLocks noGrp="1"/>
+          </p:cNvSpPr>
+          <p:nvPr>
+            <p:ph type="title"/>
+          </p:nvPr>
+        </p:nvSpPr>
+        <p:spPr/>
+        <p:txBody>
+          <a:bodyPr/>
+          <a:lstStyle/>
+          <a:p>
+            <a:endParaRPr lang="pt-BR"/>
+          </a:p>
+        </p:txBody>
+      </p:sp>
+      <p:sp>
+        <p:nvSpPr>
+          <p:cNvPr id="3" name="Espaço Reservado para Conteúdo 2">
+            <a:extLst>
+              <a:ext uri="{FF2B5EF4-FFF2-40B4-BE49-F238E27FC236}">
+                <a16:creationId xmlns:a16="http://schemas.microsoft.com/office/drawing/2014/main" id="{866B16BC-8FE4-40C8-A18F-F49876AF1E01}"/>
+              </a:ext>
+            </a:extLst>
+          </p:cNvPr>
+          <p:cNvSpPr>
+            <a:spLocks noGrp="1"/>
+          </p:cNvSpPr>
+          <p:nvPr>
+            <p:ph idx="1"/>
+          </p:nvPr>
+        </p:nvSpPr>
+        <p:spPr/>
+        <p:txBody>
+          <a:bodyPr/>
+          <a:lstStyle/>
+          <a:p>
+            <a:endParaRPr lang="pt-BR"/>
+          </a:p>
+        </p:txBody>
+      </p:sp>
+      <p:pic>
+        <p:nvPicPr>
+          <p:cNvPr id="4" name="Imagem 3">
+            <a:extLst>
+              <a:ext uri="{FF2B5EF4-FFF2-40B4-BE49-F238E27FC236}">
+                <a16:creationId xmlns:a16="http://schemas.microsoft.com/office/drawing/2014/main" id="{A435F90D-A385-4B41-9140-FB5D90D939BF}"/>
+              </a:ext>
+            </a:extLst>
+          </p:cNvPr>
+          <p:cNvPicPr>
+            <a:picLocks noChangeAspect="1"/>
+          </p:cNvPicPr>
+          <p:nvPr/>
+        </p:nvPicPr>
+        <p:blipFill>
+          <a:blip r:embed="rId2"/>
+          <a:stretch>
+            <a:fillRect/>
+          </a:stretch>
+        </p:blipFill>
+        <p:spPr>
+          <a:xfrm>
+            <a:off x="122453" y="681037"/>
+            <a:ext cx="11947096" cy="5495926"/>
+          </a:xfrm>
+          <a:prstGeom prst="rect">
+            <a:avLst/>
+          </a:prstGeom>
+        </p:spPr>
+      </p:pic>
+    </p:spTree>
+    <p:extLst>
+      <p:ext uri="{BB962C8B-B14F-4D97-AF65-F5344CB8AC3E}">
+        <p14:creationId xmlns:p14="http://schemas.microsoft.com/office/powerpoint/2010/main" val="998676422"/>
       </p:ext>
     </p:extLst>
   </p:cSld>
